--- a/presentation.pptx
+++ b/presentation.pptx
@@ -7231,7 +7231,7 @@
         </p:blipFill>
         <p:spPr>
           <a:xfrm>
-            <a:off x="1039813" y="2384425"/>
+            <a:off x="1039813" y="2369677"/>
             <a:ext cx="4594071" cy="3616325"/>
           </a:xfrm>
         </p:spPr>
